--- a/presentation/Persona.pptx
+++ b/presentation/Persona.pptx
@@ -5,11 +5,12 @@
     <p:sldMasterId id="2147483660" r:id="rId1"/>
   </p:sldMasterIdLst>
   <p:notesMasterIdLst>
-    <p:notesMasterId r:id="rId4"/>
+    <p:notesMasterId r:id="rId5"/>
   </p:notesMasterIdLst>
   <p:sldIdLst>
     <p:sldId id="256" r:id="rId2"/>
     <p:sldId id="257" r:id="rId3"/>
+    <p:sldId id="258" r:id="rId4"/>
   </p:sldIdLst>
   <p:sldSz cx="12192000" cy="6858000"/>
   <p:notesSz cx="6858000" cy="9144000"/>
@@ -108,6 +109,11 @@
       </a:defRPr>
     </a:lvl9pPr>
   </p:defaultTextStyle>
+  <p:extLst>
+    <p:ext uri="{EFAFB233-063F-42B5-8137-9DF3F51BA10A}">
+      <p15:sldGuideLst xmlns:p15="http://schemas.microsoft.com/office/powerpoint/2012/main"/>
+    </p:ext>
+  </p:extLst>
 </p:presentation>
 </file>
 
@@ -193,7 +199,7 @@
           <a:p>
             <a:fld id="{915BA4D6-9A7A-498D-AEED-C040E4C4F412}" type="datetimeFigureOut">
               <a:rPr lang="en-HK" smtClean="0"/>
-              <a:t>30/5/20</a:t>
+              <a:t>31/5/20</a:t>
             </a:fld>
             <a:endParaRPr lang="en-HK"/>
           </a:p>
@@ -685,7 +691,7 @@
           <a:p>
             <a:fld id="{47B7304B-A6D1-4106-A413-7CF9322FF047}" type="datetimeFigureOut">
               <a:rPr lang="en-HK" smtClean="0"/>
-              <a:t>30/5/20</a:t>
+              <a:t>31/5/20</a:t>
             </a:fld>
             <a:endParaRPr lang="en-HK"/>
           </a:p>
@@ -855,7 +861,7 @@
           <a:p>
             <a:fld id="{47B7304B-A6D1-4106-A413-7CF9322FF047}" type="datetimeFigureOut">
               <a:rPr lang="en-HK" smtClean="0"/>
-              <a:t>30/5/20</a:t>
+              <a:t>31/5/20</a:t>
             </a:fld>
             <a:endParaRPr lang="en-HK"/>
           </a:p>
@@ -1035,7 +1041,7 @@
           <a:p>
             <a:fld id="{47B7304B-A6D1-4106-A413-7CF9322FF047}" type="datetimeFigureOut">
               <a:rPr lang="en-HK" smtClean="0"/>
-              <a:t>30/5/20</a:t>
+              <a:t>31/5/20</a:t>
             </a:fld>
             <a:endParaRPr lang="en-HK"/>
           </a:p>
@@ -1205,7 +1211,7 @@
           <a:p>
             <a:fld id="{47B7304B-A6D1-4106-A413-7CF9322FF047}" type="datetimeFigureOut">
               <a:rPr lang="en-HK" smtClean="0"/>
-              <a:t>30/5/20</a:t>
+              <a:t>31/5/20</a:t>
             </a:fld>
             <a:endParaRPr lang="en-HK"/>
           </a:p>
@@ -1451,7 +1457,7 @@
           <a:p>
             <a:fld id="{47B7304B-A6D1-4106-A413-7CF9322FF047}" type="datetimeFigureOut">
               <a:rPr lang="en-HK" smtClean="0"/>
-              <a:t>30/5/20</a:t>
+              <a:t>31/5/20</a:t>
             </a:fld>
             <a:endParaRPr lang="en-HK"/>
           </a:p>
@@ -1683,7 +1689,7 @@
           <a:p>
             <a:fld id="{47B7304B-A6D1-4106-A413-7CF9322FF047}" type="datetimeFigureOut">
               <a:rPr lang="en-HK" smtClean="0"/>
-              <a:t>30/5/20</a:t>
+              <a:t>31/5/20</a:t>
             </a:fld>
             <a:endParaRPr lang="en-HK"/>
           </a:p>
@@ -2050,7 +2056,7 @@
           <a:p>
             <a:fld id="{47B7304B-A6D1-4106-A413-7CF9322FF047}" type="datetimeFigureOut">
               <a:rPr lang="en-HK" smtClean="0"/>
-              <a:t>30/5/20</a:t>
+              <a:t>31/5/20</a:t>
             </a:fld>
             <a:endParaRPr lang="en-HK"/>
           </a:p>
@@ -2168,7 +2174,7 @@
           <a:p>
             <a:fld id="{47B7304B-A6D1-4106-A413-7CF9322FF047}" type="datetimeFigureOut">
               <a:rPr lang="en-HK" smtClean="0"/>
-              <a:t>30/5/20</a:t>
+              <a:t>31/5/20</a:t>
             </a:fld>
             <a:endParaRPr lang="en-HK"/>
           </a:p>
@@ -2263,7 +2269,7 @@
           <a:p>
             <a:fld id="{47B7304B-A6D1-4106-A413-7CF9322FF047}" type="datetimeFigureOut">
               <a:rPr lang="en-HK" smtClean="0"/>
-              <a:t>30/5/20</a:t>
+              <a:t>31/5/20</a:t>
             </a:fld>
             <a:endParaRPr lang="en-HK"/>
           </a:p>
@@ -2540,7 +2546,7 @@
           <a:p>
             <a:fld id="{47B7304B-A6D1-4106-A413-7CF9322FF047}" type="datetimeFigureOut">
               <a:rPr lang="en-HK" smtClean="0"/>
-              <a:t>30/5/20</a:t>
+              <a:t>31/5/20</a:t>
             </a:fld>
             <a:endParaRPr lang="en-HK"/>
           </a:p>
@@ -2797,7 +2803,7 @@
           <a:p>
             <a:fld id="{47B7304B-A6D1-4106-A413-7CF9322FF047}" type="datetimeFigureOut">
               <a:rPr lang="en-HK" smtClean="0"/>
-              <a:t>30/5/20</a:t>
+              <a:t>31/5/20</a:t>
             </a:fld>
             <a:endParaRPr lang="en-HK"/>
           </a:p>
@@ -3010,7 +3016,7 @@
           <a:p>
             <a:fld id="{47B7304B-A6D1-4106-A413-7CF9322FF047}" type="datetimeFigureOut">
               <a:rPr lang="en-HK" smtClean="0"/>
-              <a:t>30/5/20</a:t>
+              <a:t>31/5/20</a:t>
             </a:fld>
             <a:endParaRPr lang="en-HK"/>
           </a:p>
@@ -3746,7 +3752,7 @@
         </p:nvSpPr>
         <p:spPr>
           <a:xfrm>
-            <a:off x="508934" y="5291612"/>
+            <a:off x="508933" y="5381190"/>
             <a:ext cx="4804788" cy="1200329"/>
           </a:xfrm>
           <a:prstGeom prst="rect">
@@ -3827,7 +3833,7 @@
         </p:nvSpPr>
         <p:spPr>
           <a:xfrm>
-            <a:off x="5761317" y="5280706"/>
+            <a:off x="5721831" y="5381190"/>
             <a:ext cx="6155763" cy="1200329"/>
           </a:xfrm>
           <a:prstGeom prst="rect">
@@ -4121,7 +4127,7 @@
         <p:spPr>
           <a:xfrm>
             <a:off x="5639954" y="3977099"/>
-            <a:ext cx="6319518" cy="1200329"/>
+            <a:ext cx="6319518" cy="1477328"/>
           </a:xfrm>
           <a:prstGeom prst="rect">
             <a:avLst/>
@@ -4169,7 +4175,7 @@
                   <a:schemeClr val="tx1"/>
                 </a:solidFill>
               </a:rPr>
-              <a:t>“I do not want to waste time in the sourcing, particularly tendering anymore as I prefer to focus more on value-adding activities.”</a:t>
+              <a:t>“I do not want to waste time in the sourcing, particularly tendering anymore as I prefer to focus more on value-adding activities. Additionally, our suppliers are not very technically versatile and appreciate the use of emails.”</a:t>
             </a:r>
           </a:p>
         </p:txBody>
@@ -4256,6 +4262,249 @@
     <p:extLst>
       <p:ext uri="{BB962C8B-B14F-4D97-AF65-F5344CB8AC3E}">
         <p14:creationId xmlns:p14="http://schemas.microsoft.com/office/powerpoint/2010/main" val="3049824937"/>
+      </p:ext>
+    </p:extLst>
+  </p:cSld>
+  <p:clrMapOvr>
+    <a:masterClrMapping/>
+  </p:clrMapOvr>
+</p:sld>
+</file>
+
+<file path=ppt/slides/slide3.xml><?xml version="1.0" encoding="utf-8"?>
+<p:sld xmlns:a="http://schemas.openxmlformats.org/drawingml/2006/main" xmlns:r="http://schemas.openxmlformats.org/officeDocument/2006/relationships" xmlns:p="http://schemas.openxmlformats.org/presentationml/2006/main">
+  <p:cSld>
+    <p:bg>
+      <p:bgPr>
+        <a:solidFill>
+          <a:schemeClr val="bg1"/>
+        </a:solidFill>
+        <a:effectLst/>
+      </p:bgPr>
+    </p:bg>
+    <p:spTree>
+      <p:nvGrpSpPr>
+        <p:cNvPr id="1" name=""/>
+        <p:cNvGrpSpPr/>
+        <p:nvPr/>
+      </p:nvGrpSpPr>
+      <p:grpSpPr>
+        <a:xfrm>
+          <a:off x="0" y="0"/>
+          <a:ext cx="0" cy="0"/>
+          <a:chOff x="0" y="0"/>
+          <a:chExt cx="0" cy="0"/>
+        </a:xfrm>
+      </p:grpSpPr>
+      <p:sp>
+        <p:nvSpPr>
+          <p:cNvPr id="2" name="Title 1">
+            <a:extLst>
+              <a:ext uri="{FF2B5EF4-FFF2-40B4-BE49-F238E27FC236}">
+                <a16:creationId xmlns:a16="http://schemas.microsoft.com/office/drawing/2014/main" id="{A7412B5B-8C64-4300-945F-62A4126EC26F}"/>
+              </a:ext>
+            </a:extLst>
+          </p:cNvPr>
+          <p:cNvSpPr>
+            <a:spLocks noGrp="1"/>
+          </p:cNvSpPr>
+          <p:nvPr>
+            <p:ph type="title"/>
+          </p:nvPr>
+        </p:nvSpPr>
+        <p:spPr>
+          <a:xfrm>
+            <a:off x="838200" y="365125"/>
+            <a:ext cx="10515600" cy="1325563"/>
+          </a:xfrm>
+        </p:spPr>
+        <p:txBody>
+          <a:bodyPr>
+            <a:normAutofit/>
+          </a:bodyPr>
+          <a:lstStyle/>
+          <a:p>
+            <a:r>
+              <a:rPr lang="en-HK"/>
+              <a:t>User Story </a:t>
+            </a:r>
+            <a:endParaRPr lang="en-HK" dirty="0"/>
+          </a:p>
+        </p:txBody>
+      </p:sp>
+      <p:sp>
+        <p:nvSpPr>
+          <p:cNvPr id="8" name="Rectangle 7">
+            <a:extLst>
+              <a:ext uri="{FF2B5EF4-FFF2-40B4-BE49-F238E27FC236}">
+                <a16:creationId xmlns:a16="http://schemas.microsoft.com/office/drawing/2014/main" id="{CF42B796-84F2-425C-A673-D3A499B528C7}"/>
+              </a:ext>
+            </a:extLst>
+          </p:cNvPr>
+          <p:cNvSpPr/>
+          <p:nvPr/>
+        </p:nvSpPr>
+        <p:spPr>
+          <a:xfrm>
+            <a:off x="838198" y="1607064"/>
+            <a:ext cx="9333753" cy="1649506"/>
+          </a:xfrm>
+          <a:prstGeom prst="rect">
+            <a:avLst/>
+          </a:prstGeom>
+          <a:solidFill>
+            <a:schemeClr val="tx1"/>
+          </a:solidFill>
+        </p:spPr>
+        <p:style>
+          <a:lnRef idx="2">
+            <a:schemeClr val="accent1">
+              <a:shade val="50000"/>
+            </a:schemeClr>
+          </a:lnRef>
+          <a:fillRef idx="1">
+            <a:schemeClr val="accent1"/>
+          </a:fillRef>
+          <a:effectRef idx="0">
+            <a:schemeClr val="accent1"/>
+          </a:effectRef>
+          <a:fontRef idx="minor">
+            <a:schemeClr val="lt1"/>
+          </a:fontRef>
+        </p:style>
+        <p:txBody>
+          <a:bodyPr rtlCol="0" anchor="ctr"/>
+          <a:lstStyle/>
+          <a:p>
+            <a:pPr algn="ctr"/>
+            <a:r>
+              <a:rPr lang="en-HK" b="1" dirty="0">
+                <a:solidFill>
+                  <a:schemeClr val="bg1"/>
+                </a:solidFill>
+              </a:rPr>
+              <a:t>User Story </a:t>
+            </a:r>
+          </a:p>
+          <a:p>
+            <a:pPr algn="ctr"/>
+            <a:r>
+              <a:rPr lang="en-HK" i="1" dirty="0">
+                <a:solidFill>
+                  <a:schemeClr val="bg1"/>
+                </a:solidFill>
+              </a:rPr>
+              <a:t>I want: </a:t>
+            </a:r>
+            <a:r>
+              <a:rPr lang="en-HK" dirty="0">
+                <a:solidFill>
+                  <a:schemeClr val="bg1"/>
+                </a:solidFill>
+              </a:rPr>
+              <a:t>to be able to source as efficiently and effectively as possible, particularly for tendering, including automation of standardised processes. </a:t>
+            </a:r>
+          </a:p>
+          <a:p>
+            <a:pPr algn="ctr"/>
+            <a:r>
+              <a:rPr lang="en-HK" i="1" dirty="0">
+                <a:solidFill>
+                  <a:schemeClr val="bg1"/>
+                </a:solidFill>
+              </a:rPr>
+              <a:t>So that: </a:t>
+            </a:r>
+            <a:r>
+              <a:rPr lang="en-HK" dirty="0">
+                <a:solidFill>
+                  <a:schemeClr val="bg1"/>
+                </a:solidFill>
+              </a:rPr>
+              <a:t>I can spend time on more value-adding activities like negotiations or relationship building. </a:t>
+            </a:r>
+          </a:p>
+        </p:txBody>
+      </p:sp>
+      <p:sp>
+        <p:nvSpPr>
+          <p:cNvPr id="16" name="Rectangle 15">
+            <a:extLst>
+              <a:ext uri="{FF2B5EF4-FFF2-40B4-BE49-F238E27FC236}">
+                <a16:creationId xmlns:a16="http://schemas.microsoft.com/office/drawing/2014/main" id="{F526428D-2CF2-419C-83B0-57208A4E4EFC}"/>
+              </a:ext>
+            </a:extLst>
+          </p:cNvPr>
+          <p:cNvSpPr/>
+          <p:nvPr/>
+        </p:nvSpPr>
+        <p:spPr>
+          <a:xfrm>
+            <a:off x="838197" y="3429000"/>
+            <a:ext cx="9333753" cy="1649506"/>
+          </a:xfrm>
+          <a:prstGeom prst="rect">
+            <a:avLst/>
+          </a:prstGeom>
+          <a:solidFill>
+            <a:schemeClr val="tx1"/>
+          </a:solidFill>
+        </p:spPr>
+        <p:style>
+          <a:lnRef idx="2">
+            <a:schemeClr val="accent1">
+              <a:shade val="50000"/>
+            </a:schemeClr>
+          </a:lnRef>
+          <a:fillRef idx="1">
+            <a:schemeClr val="accent1"/>
+          </a:fillRef>
+          <a:effectRef idx="0">
+            <a:schemeClr val="accent1"/>
+          </a:effectRef>
+          <a:fontRef idx="minor">
+            <a:schemeClr val="lt1"/>
+          </a:fontRef>
+        </p:style>
+        <p:txBody>
+          <a:bodyPr rtlCol="0" anchor="ctr"/>
+          <a:lstStyle/>
+          <a:p>
+            <a:pPr algn="ctr"/>
+            <a:r>
+              <a:rPr lang="en-HK" b="1" dirty="0">
+                <a:solidFill>
+                  <a:schemeClr val="bg1"/>
+                </a:solidFill>
+              </a:rPr>
+              <a:t>Acceptance Criteria</a:t>
+            </a:r>
+          </a:p>
+          <a:p>
+            <a:pPr algn="ctr"/>
+            <a:r>
+              <a:rPr lang="en-HK" i="1" dirty="0">
+                <a:solidFill>
+                  <a:schemeClr val="bg1"/>
+                </a:solidFill>
+              </a:rPr>
+              <a:t>And I know that I am done when: </a:t>
+            </a:r>
+            <a:r>
+              <a:rPr lang="en-HK" dirty="0">
+                <a:solidFill>
+                  <a:schemeClr val="bg1"/>
+                </a:solidFill>
+              </a:rPr>
+              <a:t>the process is automated to a reasonable extent, so that I loose less time on standardised activities, but still have the possibility to interfere and insert my expertise. Additionally, it is very useful if my deputies can assume the responsibilities in case of absences. </a:t>
+            </a:r>
+          </a:p>
+        </p:txBody>
+      </p:sp>
+    </p:spTree>
+    <p:extLst>
+      <p:ext uri="{BB962C8B-B14F-4D97-AF65-F5344CB8AC3E}">
+        <p14:creationId xmlns:p14="http://schemas.microsoft.com/office/powerpoint/2010/main" val="2221660607"/>
       </p:ext>
     </p:extLst>
   </p:cSld>

--- a/presentation/Persona.pptx
+++ b/presentation/Persona.pptx
@@ -4441,7 +4441,7 @@
         <p:spPr>
           <a:xfrm>
             <a:off x="838197" y="3429000"/>
-            <a:ext cx="9333753" cy="1649506"/>
+            <a:ext cx="9333753" cy="1821936"/>
           </a:xfrm>
           <a:prstGeom prst="rect">
             <a:avLst/>
@@ -4496,7 +4496,7 @@
                   <a:schemeClr val="bg1"/>
                 </a:solidFill>
               </a:rPr>
-              <a:t>the process is automated to a reasonable extent, so that I loose less time on standardised activities, but still have the possibility to interfere and insert my expertise. Additionally, it is very useful if my deputies can assume the responsibilities in case of absences. </a:t>
+              <a:t>the process is automated to a reasonable extent, so that I loose less time on standardised activities, but still have the possibility to interfere and insert my expertise. Additionally, it is very useful if my deputies can assume the responsibilities in case of absences. Furthermore, our suppliers are not very technically versatile, therefore they value the email exchange.</a:t>
             </a:r>
           </a:p>
         </p:txBody>

--- a/presentation/Persona.pptx
+++ b/presentation/Persona.pptx
@@ -199,7 +199,7 @@
           <a:p>
             <a:fld id="{915BA4D6-9A7A-498D-AEED-C040E4C4F412}" type="datetimeFigureOut">
               <a:rPr lang="en-HK" smtClean="0"/>
-              <a:t>31/5/20</a:t>
+              <a:t>1/6/20</a:t>
             </a:fld>
             <a:endParaRPr lang="en-HK"/>
           </a:p>
@@ -691,7 +691,7 @@
           <a:p>
             <a:fld id="{47B7304B-A6D1-4106-A413-7CF9322FF047}" type="datetimeFigureOut">
               <a:rPr lang="en-HK" smtClean="0"/>
-              <a:t>31/5/20</a:t>
+              <a:t>1/6/20</a:t>
             </a:fld>
             <a:endParaRPr lang="en-HK"/>
           </a:p>
@@ -861,7 +861,7 @@
           <a:p>
             <a:fld id="{47B7304B-A6D1-4106-A413-7CF9322FF047}" type="datetimeFigureOut">
               <a:rPr lang="en-HK" smtClean="0"/>
-              <a:t>31/5/20</a:t>
+              <a:t>1/6/20</a:t>
             </a:fld>
             <a:endParaRPr lang="en-HK"/>
           </a:p>
@@ -1041,7 +1041,7 @@
           <a:p>
             <a:fld id="{47B7304B-A6D1-4106-A413-7CF9322FF047}" type="datetimeFigureOut">
               <a:rPr lang="en-HK" smtClean="0"/>
-              <a:t>31/5/20</a:t>
+              <a:t>1/6/20</a:t>
             </a:fld>
             <a:endParaRPr lang="en-HK"/>
           </a:p>
@@ -1211,7 +1211,7 @@
           <a:p>
             <a:fld id="{47B7304B-A6D1-4106-A413-7CF9322FF047}" type="datetimeFigureOut">
               <a:rPr lang="en-HK" smtClean="0"/>
-              <a:t>31/5/20</a:t>
+              <a:t>1/6/20</a:t>
             </a:fld>
             <a:endParaRPr lang="en-HK"/>
           </a:p>
@@ -1457,7 +1457,7 @@
           <a:p>
             <a:fld id="{47B7304B-A6D1-4106-A413-7CF9322FF047}" type="datetimeFigureOut">
               <a:rPr lang="en-HK" smtClean="0"/>
-              <a:t>31/5/20</a:t>
+              <a:t>1/6/20</a:t>
             </a:fld>
             <a:endParaRPr lang="en-HK"/>
           </a:p>
@@ -1689,7 +1689,7 @@
           <a:p>
             <a:fld id="{47B7304B-A6D1-4106-A413-7CF9322FF047}" type="datetimeFigureOut">
               <a:rPr lang="en-HK" smtClean="0"/>
-              <a:t>31/5/20</a:t>
+              <a:t>1/6/20</a:t>
             </a:fld>
             <a:endParaRPr lang="en-HK"/>
           </a:p>
@@ -2056,7 +2056,7 @@
           <a:p>
             <a:fld id="{47B7304B-A6D1-4106-A413-7CF9322FF047}" type="datetimeFigureOut">
               <a:rPr lang="en-HK" smtClean="0"/>
-              <a:t>31/5/20</a:t>
+              <a:t>1/6/20</a:t>
             </a:fld>
             <a:endParaRPr lang="en-HK"/>
           </a:p>
@@ -2174,7 +2174,7 @@
           <a:p>
             <a:fld id="{47B7304B-A6D1-4106-A413-7CF9322FF047}" type="datetimeFigureOut">
               <a:rPr lang="en-HK" smtClean="0"/>
-              <a:t>31/5/20</a:t>
+              <a:t>1/6/20</a:t>
             </a:fld>
             <a:endParaRPr lang="en-HK"/>
           </a:p>
@@ -2269,7 +2269,7 @@
           <a:p>
             <a:fld id="{47B7304B-A6D1-4106-A413-7CF9322FF047}" type="datetimeFigureOut">
               <a:rPr lang="en-HK" smtClean="0"/>
-              <a:t>31/5/20</a:t>
+              <a:t>1/6/20</a:t>
             </a:fld>
             <a:endParaRPr lang="en-HK"/>
           </a:p>
@@ -2546,7 +2546,7 @@
           <a:p>
             <a:fld id="{47B7304B-A6D1-4106-A413-7CF9322FF047}" type="datetimeFigureOut">
               <a:rPr lang="en-HK" smtClean="0"/>
-              <a:t>31/5/20</a:t>
+              <a:t>1/6/20</a:t>
             </a:fld>
             <a:endParaRPr lang="en-HK"/>
           </a:p>
@@ -2803,7 +2803,7 @@
           <a:p>
             <a:fld id="{47B7304B-A6D1-4106-A413-7CF9322FF047}" type="datetimeFigureOut">
               <a:rPr lang="en-HK" smtClean="0"/>
-              <a:t>31/5/20</a:t>
+              <a:t>1/6/20</a:t>
             </a:fld>
             <a:endParaRPr lang="en-HK"/>
           </a:p>
@@ -3016,7 +3016,7 @@
           <a:p>
             <a:fld id="{47B7304B-A6D1-4106-A413-7CF9322FF047}" type="datetimeFigureOut">
               <a:rPr lang="en-HK" smtClean="0"/>
-              <a:t>31/5/20</a:t>
+              <a:t>1/6/20</a:t>
             </a:fld>
             <a:endParaRPr lang="en-HK"/>
           </a:p>
@@ -3444,7 +3444,7 @@
           <a:p>
             <a:r>
               <a:rPr lang="en-HK" dirty="0" err="1"/>
-              <a:t>Sourceasy</a:t>
+              <a:t>Saileasy</a:t>
             </a:r>
             <a:endParaRPr lang="en-HK" dirty="0"/>
           </a:p>
